--- a/DIGITAL EMPOWERMENT.pptx
+++ b/DIGITAL EMPOWERMENT.pptx
@@ -5,10 +5,10 @@
     <p:sldMasterId id="2147483648" r:id="rId4"/>
   </p:sldMasterIdLst>
   <p:notesMasterIdLst>
-    <p:notesMasterId r:id="rId22"/>
+    <p:notesMasterId r:id="rId20"/>
   </p:notesMasterIdLst>
   <p:handoutMasterIdLst>
-    <p:handoutMasterId r:id="rId23"/>
+    <p:handoutMasterId r:id="rId21"/>
   </p:handoutMasterIdLst>
   <p:sldIdLst>
     <p:sldId id="342" r:id="rId5"/>
@@ -23,11 +23,9 @@
     <p:sldId id="377" r:id="rId14"/>
     <p:sldId id="385" r:id="rId15"/>
     <p:sldId id="384" r:id="rId16"/>
-    <p:sldId id="390" r:id="rId17"/>
-    <p:sldId id="391" r:id="rId18"/>
-    <p:sldId id="386" r:id="rId19"/>
-    <p:sldId id="389" r:id="rId20"/>
-    <p:sldId id="387" r:id="rId21"/>
+    <p:sldId id="386" r:id="rId17"/>
+    <p:sldId id="389" r:id="rId18"/>
+    <p:sldId id="387" r:id="rId19"/>
   </p:sldIdLst>
   <p:sldSz cx="12192000" cy="6858000"/>
   <p:notesSz cx="6858000" cy="9144000"/>
@@ -1162,7 +1160,7 @@
     </p:spTree>
     <p:extLst>
       <p:ext uri="{BB962C8B-B14F-4D97-AF65-F5344CB8AC3E}">
-        <p14:creationId xmlns:p14="http://schemas.microsoft.com/office/powerpoint/2010/main" val="1516057382"/>
+        <p14:creationId xmlns:p14="http://schemas.microsoft.com/office/powerpoint/2010/main" val="181634323"/>
       </p:ext>
     </p:extLst>
   </p:cSld>
@@ -1246,7 +1244,7 @@
     </p:spTree>
     <p:extLst>
       <p:ext uri="{BB962C8B-B14F-4D97-AF65-F5344CB8AC3E}">
-        <p14:creationId xmlns:p14="http://schemas.microsoft.com/office/powerpoint/2010/main" val="3098534379"/>
+        <p14:creationId xmlns:p14="http://schemas.microsoft.com/office/powerpoint/2010/main" val="190809490"/>
       </p:ext>
     </p:extLst>
   </p:cSld>
@@ -1369,234 +1367,6 @@
                 <a:defRPr/>
               </a:pPr>
               <a:t>15</a:t>
-            </a:fld>
-            <a:endParaRPr kumimoji="0" lang="en-US" sz="1200" b="0" i="0" u="none" strike="noStrike" kern="1200" cap="none" spc="0" normalizeH="0" baseline="0" noProof="0" dirty="0">
-              <a:ln>
-                <a:noFill/>
-              </a:ln>
-              <a:solidFill>
-                <a:prstClr val="black"/>
-              </a:solidFill>
-              <a:effectLst/>
-              <a:uLnTx/>
-              <a:uFillTx/>
-              <a:latin typeface="Calibri" panose="020F0502020204030204"/>
-              <a:ea typeface="+mn-ea"/>
-              <a:cs typeface="+mn-cs"/>
-            </a:endParaRPr>
-          </a:p>
-        </p:txBody>
-      </p:sp>
-    </p:spTree>
-    <p:extLst>
-      <p:ext uri="{BB962C8B-B14F-4D97-AF65-F5344CB8AC3E}">
-        <p14:creationId xmlns:p14="http://schemas.microsoft.com/office/powerpoint/2010/main" val="181634323"/>
-      </p:ext>
-    </p:extLst>
-  </p:cSld>
-  <p:clrMapOvr>
-    <a:masterClrMapping/>
-  </p:clrMapOvr>
-</p:notes>
-</file>
-
-<file path=ppt/notesSlides/notesSlide16.xml><?xml version="1.0" encoding="utf-8"?>
-<p:notes xmlns:a="http://schemas.openxmlformats.org/drawingml/2006/main" xmlns:r="http://schemas.openxmlformats.org/officeDocument/2006/relationships" xmlns:p="http://schemas.openxmlformats.org/presentationml/2006/main">
-  <p:cSld>
-    <p:spTree>
-      <p:nvGrpSpPr>
-        <p:cNvPr id="1" name=""/>
-        <p:cNvGrpSpPr/>
-        <p:nvPr/>
-      </p:nvGrpSpPr>
-      <p:grpSpPr>
-        <a:xfrm>
-          <a:off x="0" y="0"/>
-          <a:ext cx="0" cy="0"/>
-          <a:chOff x="0" y="0"/>
-          <a:chExt cx="0" cy="0"/>
-        </a:xfrm>
-      </p:grpSpPr>
-      <p:sp>
-        <p:nvSpPr>
-          <p:cNvPr id="2" name="Slide Image Placeholder 1"/>
-          <p:cNvSpPr>
-            <a:spLocks noGrp="1" noRot="1" noChangeAspect="1"/>
-          </p:cNvSpPr>
-          <p:nvPr>
-            <p:ph type="sldImg"/>
-          </p:nvPr>
-        </p:nvSpPr>
-        <p:spPr/>
-      </p:sp>
-      <p:sp>
-        <p:nvSpPr>
-          <p:cNvPr id="3" name="Notes Placeholder 2"/>
-          <p:cNvSpPr>
-            <a:spLocks noGrp="1"/>
-          </p:cNvSpPr>
-          <p:nvPr>
-            <p:ph type="body" idx="1"/>
-          </p:nvPr>
-        </p:nvSpPr>
-        <p:spPr/>
-        <p:txBody>
-          <a:bodyPr/>
-          <a:lstStyle/>
-          <a:p>
-            <a:endParaRPr lang="en-US" dirty="0"/>
-          </a:p>
-        </p:txBody>
-      </p:sp>
-      <p:sp>
-        <p:nvSpPr>
-          <p:cNvPr id="4" name="Slide Number Placeholder 3"/>
-          <p:cNvSpPr>
-            <a:spLocks noGrp="1"/>
-          </p:cNvSpPr>
-          <p:nvPr>
-            <p:ph type="sldNum" sz="quarter" idx="5"/>
-          </p:nvPr>
-        </p:nvSpPr>
-        <p:spPr/>
-        <p:txBody>
-          <a:bodyPr/>
-          <a:lstStyle/>
-          <a:p>
-            <a:fld id="{DEF75CB5-5666-5049-9AE0-38EFD385C21E}" type="slidenum">
-              <a:rPr lang="en-US" smtClean="0"/>
-              <a:t>16</a:t>
-            </a:fld>
-            <a:endParaRPr lang="en-US" dirty="0"/>
-          </a:p>
-        </p:txBody>
-      </p:sp>
-    </p:spTree>
-    <p:extLst>
-      <p:ext uri="{BB962C8B-B14F-4D97-AF65-F5344CB8AC3E}">
-        <p14:creationId xmlns:p14="http://schemas.microsoft.com/office/powerpoint/2010/main" val="190809490"/>
-      </p:ext>
-    </p:extLst>
-  </p:cSld>
-  <p:clrMapOvr>
-    <a:masterClrMapping/>
-  </p:clrMapOvr>
-</p:notes>
-</file>
-
-<file path=ppt/notesSlides/notesSlide17.xml><?xml version="1.0" encoding="utf-8"?>
-<p:notes xmlns:a="http://schemas.openxmlformats.org/drawingml/2006/main" xmlns:r="http://schemas.openxmlformats.org/officeDocument/2006/relationships" xmlns:p="http://schemas.openxmlformats.org/presentationml/2006/main">
-  <p:cSld>
-    <p:spTree>
-      <p:nvGrpSpPr>
-        <p:cNvPr id="1" name=""/>
-        <p:cNvGrpSpPr/>
-        <p:nvPr/>
-      </p:nvGrpSpPr>
-      <p:grpSpPr>
-        <a:xfrm>
-          <a:off x="0" y="0"/>
-          <a:ext cx="0" cy="0"/>
-          <a:chOff x="0" y="0"/>
-          <a:chExt cx="0" cy="0"/>
-        </a:xfrm>
-      </p:grpSpPr>
-      <p:sp>
-        <p:nvSpPr>
-          <p:cNvPr id="2" name="Slide Image Placeholder 1"/>
-          <p:cNvSpPr>
-            <a:spLocks noGrp="1" noRot="1" noChangeAspect="1"/>
-          </p:cNvSpPr>
-          <p:nvPr>
-            <p:ph type="sldImg"/>
-          </p:nvPr>
-        </p:nvSpPr>
-        <p:spPr/>
-      </p:sp>
-      <p:sp>
-        <p:nvSpPr>
-          <p:cNvPr id="3" name="Notes Placeholder 2"/>
-          <p:cNvSpPr>
-            <a:spLocks noGrp="1"/>
-          </p:cNvSpPr>
-          <p:nvPr>
-            <p:ph type="body" idx="1"/>
-          </p:nvPr>
-        </p:nvSpPr>
-        <p:spPr/>
-        <p:txBody>
-          <a:bodyPr/>
-          <a:lstStyle/>
-          <a:p>
-            <a:endParaRPr lang="en-US" dirty="0"/>
-          </a:p>
-        </p:txBody>
-      </p:sp>
-      <p:sp>
-        <p:nvSpPr>
-          <p:cNvPr id="4" name="Slide Number Placeholder 3"/>
-          <p:cNvSpPr>
-            <a:spLocks noGrp="1"/>
-          </p:cNvSpPr>
-          <p:nvPr>
-            <p:ph type="sldNum" sz="quarter" idx="5"/>
-          </p:nvPr>
-        </p:nvSpPr>
-        <p:spPr/>
-        <p:txBody>
-          <a:bodyPr/>
-          <a:lstStyle/>
-          <a:p>
-            <a:pPr marL="0" marR="0" lvl="0" indent="0" algn="r" defTabSz="914400" rtl="0" eaLnBrk="1" fontAlgn="auto" latinLnBrk="0" hangingPunct="1">
-              <a:lnSpc>
-                <a:spcPct val="100000"/>
-              </a:lnSpc>
-              <a:spcBef>
-                <a:spcPts val="0"/>
-              </a:spcBef>
-              <a:spcAft>
-                <a:spcPts val="0"/>
-              </a:spcAft>
-              <a:buClrTx/>
-              <a:buSzTx/>
-              <a:buFontTx/>
-              <a:buNone/>
-              <a:tabLst/>
-              <a:defRPr/>
-            </a:pPr>
-            <a:fld id="{DEF75CB5-5666-5049-9AE0-38EFD385C21E}" type="slidenum">
-              <a:rPr kumimoji="0" lang="en-US" sz="1200" b="0" i="0" u="none" strike="noStrike" kern="1200" cap="none" spc="0" normalizeH="0" baseline="0" noProof="0" smtClean="0">
-                <a:ln>
-                  <a:noFill/>
-                </a:ln>
-                <a:solidFill>
-                  <a:prstClr val="black"/>
-                </a:solidFill>
-                <a:effectLst/>
-                <a:uLnTx/>
-                <a:uFillTx/>
-                <a:latin typeface="Calibri" panose="020F0502020204030204"/>
-                <a:ea typeface="+mn-ea"/>
-                <a:cs typeface="+mn-cs"/>
-              </a:rPr>
-              <a:pPr marL="0" marR="0" lvl="0" indent="0" algn="r" defTabSz="914400" rtl="0" eaLnBrk="1" fontAlgn="auto" latinLnBrk="0" hangingPunct="1">
-                <a:lnSpc>
-                  <a:spcPct val="100000"/>
-                </a:lnSpc>
-                <a:spcBef>
-                  <a:spcPts val="0"/>
-                </a:spcBef>
-                <a:spcAft>
-                  <a:spcPts val="0"/>
-                </a:spcAft>
-                <a:buClrTx/>
-                <a:buSzTx/>
-                <a:buFontTx/>
-                <a:buNone/>
-                <a:tabLst/>
-                <a:defRPr/>
-              </a:pPr>
-              <a:t>17</a:t>
             </a:fld>
             <a:endParaRPr kumimoji="0" lang="en-US" sz="1200" b="0" i="0" u="none" strike="noStrike" kern="1200" cap="none" spc="0" normalizeH="0" baseline="0" noProof="0" dirty="0">
               <a:ln>
@@ -12290,7 +12060,7 @@
           <a:p>
             <a:r>
               <a:rPr lang="en-US" dirty="0"/>
-              <a:t>DEMO</a:t>
+              <a:t>Development path</a:t>
             </a:r>
           </a:p>
         </p:txBody>
@@ -12298,7 +12068,7 @@
     </p:spTree>
     <p:extLst>
       <p:ext uri="{BB962C8B-B14F-4D97-AF65-F5344CB8AC3E}">
-        <p14:creationId xmlns:p14="http://schemas.microsoft.com/office/powerpoint/2010/main" val="1735486968"/>
+        <p14:creationId xmlns:p14="http://schemas.microsoft.com/office/powerpoint/2010/main" val="2278420707"/>
       </p:ext>
     </p:extLst>
   </p:cSld>
@@ -12353,7 +12123,7 @@
           <a:p>
             <a:r>
               <a:rPr lang="en-US" dirty="0"/>
-              <a:t>DEMO</a:t>
+              <a:t>Development path</a:t>
             </a:r>
           </a:p>
         </p:txBody>
@@ -12388,436 +12158,6 @@
               <a:rPr lang="en-US" smtClean="0"/>
               <a:pPr/>
               <a:t>14</a:t>
-            </a:fld>
-            <a:endParaRPr lang="en-US" dirty="0"/>
-          </a:p>
-        </p:txBody>
-      </p:sp>
-      <p:sp>
-        <p:nvSpPr>
-          <p:cNvPr id="11" name="Content Placeholder 3">
-            <a:extLst>
-              <a:ext uri="{FF2B5EF4-FFF2-40B4-BE49-F238E27FC236}">
-                <a16:creationId xmlns:a16="http://schemas.microsoft.com/office/drawing/2014/main" id="{04CF1095-01F6-88AA-AFF5-85392FB4C4AC}"/>
-              </a:ext>
-            </a:extLst>
-          </p:cNvPr>
-          <p:cNvSpPr txBox="1">
-            <a:spLocks/>
-          </p:cNvSpPr>
-          <p:nvPr/>
-        </p:nvSpPr>
-        <p:spPr>
-          <a:xfrm>
-            <a:off x="1687532" y="2914792"/>
-            <a:ext cx="7540987" cy="1028415"/>
-          </a:xfrm>
-          <a:prstGeom prst="rect">
-            <a:avLst/>
-          </a:prstGeom>
-        </p:spPr>
-        <p:txBody>
-          <a:bodyPr/>
-          <a:lstStyle>
-            <a:lvl1pPr marL="0" indent="0" algn="l" defTabSz="914400" rtl="0" eaLnBrk="1" latinLnBrk="0" hangingPunct="1">
-              <a:lnSpc>
-                <a:spcPct val="90000"/>
-              </a:lnSpc>
-              <a:spcBef>
-                <a:spcPts val="1000"/>
-              </a:spcBef>
-              <a:buFont typeface="Arial" panose="020B0604020202020204" pitchFamily="34" charset="0"/>
-              <a:buNone/>
-              <a:defRPr sz="2800" kern="1200">
-                <a:solidFill>
-                  <a:schemeClr val="accent3"/>
-                </a:solidFill>
-                <a:latin typeface="+mj-lt"/>
-                <a:ea typeface="+mn-ea"/>
-                <a:cs typeface="Biome" panose="020B0503030204020804" pitchFamily="34" charset="0"/>
-              </a:defRPr>
-            </a:lvl1pPr>
-            <a:lvl2pPr marL="800100" indent="-342900" algn="l" defTabSz="914400" rtl="0" eaLnBrk="1" latinLnBrk="0" hangingPunct="1">
-              <a:lnSpc>
-                <a:spcPct val="90000"/>
-              </a:lnSpc>
-              <a:spcBef>
-                <a:spcPts val="500"/>
-              </a:spcBef>
-              <a:buClr>
-                <a:schemeClr val="accent6"/>
-              </a:buClr>
-              <a:buFont typeface="Arial" panose="020B0604020202020204" pitchFamily="34" charset="0"/>
-              <a:buChar char="•"/>
-              <a:defRPr sz="2400" kern="1200">
-                <a:solidFill>
-                  <a:schemeClr val="bg1"/>
-                </a:solidFill>
-                <a:latin typeface="+mn-lt"/>
-                <a:ea typeface="+mn-ea"/>
-                <a:cs typeface="+mn-cs"/>
-              </a:defRPr>
-            </a:lvl2pPr>
-            <a:lvl3pPr marL="1257300" indent="-342900" algn="l" defTabSz="914400" rtl="0" eaLnBrk="1" latinLnBrk="0" hangingPunct="1">
-              <a:lnSpc>
-                <a:spcPct val="90000"/>
-              </a:lnSpc>
-              <a:spcBef>
-                <a:spcPts val="500"/>
-              </a:spcBef>
-              <a:buClr>
-                <a:schemeClr val="accent6"/>
-              </a:buClr>
-              <a:buFont typeface="Arial" panose="020B0604020202020204" pitchFamily="34" charset="0"/>
-              <a:buChar char="•"/>
-              <a:defRPr sz="2000" kern="1200">
-                <a:solidFill>
-                  <a:schemeClr val="bg1"/>
-                </a:solidFill>
-                <a:latin typeface="+mn-lt"/>
-                <a:ea typeface="+mn-ea"/>
-                <a:cs typeface="+mn-cs"/>
-              </a:defRPr>
-            </a:lvl3pPr>
-            <a:lvl4pPr marL="1657350" indent="-285750" algn="l" defTabSz="914400" rtl="0" eaLnBrk="1" latinLnBrk="0" hangingPunct="1">
-              <a:lnSpc>
-                <a:spcPct val="90000"/>
-              </a:lnSpc>
-              <a:spcBef>
-                <a:spcPts val="500"/>
-              </a:spcBef>
-              <a:buClr>
-                <a:schemeClr val="accent6"/>
-              </a:buClr>
-              <a:buFont typeface="Arial" panose="020B0604020202020204" pitchFamily="34" charset="0"/>
-              <a:buChar char="•"/>
-              <a:defRPr sz="1800" kern="1200">
-                <a:solidFill>
-                  <a:schemeClr val="bg1"/>
-                </a:solidFill>
-                <a:latin typeface="+mn-lt"/>
-                <a:ea typeface="+mn-ea"/>
-                <a:cs typeface="+mn-cs"/>
-              </a:defRPr>
-            </a:lvl4pPr>
-            <a:lvl5pPr marL="2114550" indent="-285750" algn="l" defTabSz="914400" rtl="0" eaLnBrk="1" latinLnBrk="0" hangingPunct="1">
-              <a:lnSpc>
-                <a:spcPct val="90000"/>
-              </a:lnSpc>
-              <a:spcBef>
-                <a:spcPts val="500"/>
-              </a:spcBef>
-              <a:buClr>
-                <a:schemeClr val="accent6"/>
-              </a:buClr>
-              <a:buFont typeface="Arial" panose="020B0604020202020204" pitchFamily="34" charset="0"/>
-              <a:buChar char="•"/>
-              <a:defRPr sz="1800" kern="1200">
-                <a:solidFill>
-                  <a:schemeClr val="bg1"/>
-                </a:solidFill>
-                <a:latin typeface="+mn-lt"/>
-                <a:ea typeface="+mn-ea"/>
-                <a:cs typeface="+mn-cs"/>
-              </a:defRPr>
-            </a:lvl5pPr>
-            <a:lvl6pPr marL="2514600" indent="-228600" algn="l" defTabSz="914400" rtl="0" eaLnBrk="1" latinLnBrk="0" hangingPunct="1">
-              <a:lnSpc>
-                <a:spcPct val="90000"/>
-              </a:lnSpc>
-              <a:spcBef>
-                <a:spcPts val="500"/>
-              </a:spcBef>
-              <a:buFont typeface="Arial" panose="020B0604020202020204" pitchFamily="34" charset="0"/>
-              <a:buChar char="•"/>
-              <a:defRPr sz="1800" kern="1200">
-                <a:solidFill>
-                  <a:schemeClr val="tx1"/>
-                </a:solidFill>
-                <a:latin typeface="+mn-lt"/>
-                <a:ea typeface="+mn-ea"/>
-                <a:cs typeface="+mn-cs"/>
-              </a:defRPr>
-            </a:lvl6pPr>
-            <a:lvl7pPr marL="2971800" indent="-228600" algn="l" defTabSz="914400" rtl="0" eaLnBrk="1" latinLnBrk="0" hangingPunct="1">
-              <a:lnSpc>
-                <a:spcPct val="90000"/>
-              </a:lnSpc>
-              <a:spcBef>
-                <a:spcPts val="500"/>
-              </a:spcBef>
-              <a:buFont typeface="Arial" panose="020B0604020202020204" pitchFamily="34" charset="0"/>
-              <a:buChar char="•"/>
-              <a:defRPr sz="1800" kern="1200">
-                <a:solidFill>
-                  <a:schemeClr val="tx1"/>
-                </a:solidFill>
-                <a:latin typeface="+mn-lt"/>
-                <a:ea typeface="+mn-ea"/>
-                <a:cs typeface="+mn-cs"/>
-              </a:defRPr>
-            </a:lvl7pPr>
-            <a:lvl8pPr marL="3429000" indent="-228600" algn="l" defTabSz="914400" rtl="0" eaLnBrk="1" latinLnBrk="0" hangingPunct="1">
-              <a:lnSpc>
-                <a:spcPct val="90000"/>
-              </a:lnSpc>
-              <a:spcBef>
-                <a:spcPts val="500"/>
-              </a:spcBef>
-              <a:buFont typeface="Arial" panose="020B0604020202020204" pitchFamily="34" charset="0"/>
-              <a:buChar char="•"/>
-              <a:defRPr sz="1800" kern="1200">
-                <a:solidFill>
-                  <a:schemeClr val="tx1"/>
-                </a:solidFill>
-                <a:latin typeface="+mn-lt"/>
-                <a:ea typeface="+mn-ea"/>
-                <a:cs typeface="+mn-cs"/>
-              </a:defRPr>
-            </a:lvl8pPr>
-            <a:lvl9pPr marL="3886200" indent="-228600" algn="l" defTabSz="914400" rtl="0" eaLnBrk="1" latinLnBrk="0" hangingPunct="1">
-              <a:lnSpc>
-                <a:spcPct val="90000"/>
-              </a:lnSpc>
-              <a:spcBef>
-                <a:spcPts val="500"/>
-              </a:spcBef>
-              <a:buFont typeface="Arial" panose="020B0604020202020204" pitchFamily="34" charset="0"/>
-              <a:buChar char="•"/>
-              <a:defRPr sz="1800" kern="1200">
-                <a:solidFill>
-                  <a:schemeClr val="tx1"/>
-                </a:solidFill>
-                <a:latin typeface="+mn-lt"/>
-                <a:ea typeface="+mn-ea"/>
-                <a:cs typeface="+mn-cs"/>
-              </a:defRPr>
-            </a:lvl9pPr>
-          </a:lstStyle>
-          <a:p>
-            <a:pPr lvl="1"/>
-            <a:r>
-              <a:rPr lang="en-US" sz="2000" dirty="0"/>
-              <a:t>…		</a:t>
-            </a:r>
-          </a:p>
-        </p:txBody>
-      </p:sp>
-    </p:spTree>
-    <p:extLst>
-      <p:ext uri="{BB962C8B-B14F-4D97-AF65-F5344CB8AC3E}">
-        <p14:creationId xmlns:p14="http://schemas.microsoft.com/office/powerpoint/2010/main" val="1860124704"/>
-      </p:ext>
-    </p:extLst>
-  </p:cSld>
-  <p:clrMapOvr>
-    <a:masterClrMapping/>
-  </p:clrMapOvr>
-</p:sld>
-</file>
-
-<file path=ppt/slides/slide15.xml><?xml version="1.0" encoding="utf-8"?>
-<p:sld xmlns:a="http://schemas.openxmlformats.org/drawingml/2006/main" xmlns:r="http://schemas.openxmlformats.org/officeDocument/2006/relationships" xmlns:p="http://schemas.openxmlformats.org/presentationml/2006/main">
-  <p:cSld>
-    <p:spTree>
-      <p:nvGrpSpPr>
-        <p:cNvPr id="1" name=""/>
-        <p:cNvGrpSpPr/>
-        <p:nvPr/>
-      </p:nvGrpSpPr>
-      <p:grpSpPr>
-        <a:xfrm>
-          <a:off x="0" y="0"/>
-          <a:ext cx="0" cy="0"/>
-          <a:chOff x="0" y="0"/>
-          <a:chExt cx="0" cy="0"/>
-        </a:xfrm>
-      </p:grpSpPr>
-      <p:sp>
-        <p:nvSpPr>
-          <p:cNvPr id="3" name="Rectangle 2" hidden="1">
-            <a:extLst>
-              <a:ext uri="{FF2B5EF4-FFF2-40B4-BE49-F238E27FC236}">
-                <a16:creationId xmlns:a16="http://schemas.microsoft.com/office/drawing/2014/main" id="{8692FC88-DAD7-F5AD-7831-DE54322108F6}"/>
-              </a:ext>
-              <a:ext uri="{C183D7F6-B498-43B3-948B-1728B52AA6E4}">
-                <adec:decorative xmlns:adec="http://schemas.microsoft.com/office/drawing/2017/decorative" val="1"/>
-              </a:ext>
-            </a:extLst>
-          </p:cNvPr>
-          <p:cNvSpPr/>
-          <p:nvPr/>
-        </p:nvSpPr>
-        <p:spPr>
-          <a:xfrm>
-            <a:off x="1" y="2"/>
-            <a:ext cx="12227942" cy="6857997"/>
-          </a:xfrm>
-          <a:prstGeom prst="rect">
-            <a:avLst/>
-          </a:prstGeom>
-          <a:solidFill>
-            <a:schemeClr val="tx1">
-              <a:alpha val="70000"/>
-            </a:schemeClr>
-          </a:solidFill>
-          <a:ln>
-            <a:noFill/>
-          </a:ln>
-        </p:spPr>
-        <p:style>
-          <a:lnRef idx="2">
-            <a:schemeClr val="accent1">
-              <a:shade val="50000"/>
-            </a:schemeClr>
-          </a:lnRef>
-          <a:fillRef idx="1">
-            <a:schemeClr val="accent1"/>
-          </a:fillRef>
-          <a:effectRef idx="0">
-            <a:schemeClr val="accent1"/>
-          </a:effectRef>
-          <a:fontRef idx="minor">
-            <a:schemeClr val="lt1"/>
-          </a:fontRef>
-        </p:style>
-        <p:txBody>
-          <a:bodyPr rtlCol="0" anchor="ctr">
-            <a:noAutofit/>
-          </a:bodyPr>
-          <a:lstStyle/>
-          <a:p>
-            <a:pPr algn="ctr"/>
-            <a:endParaRPr lang="en-US" dirty="0"/>
-          </a:p>
-        </p:txBody>
-      </p:sp>
-      <p:sp>
-        <p:nvSpPr>
-          <p:cNvPr id="9" name="Title 1">
-            <a:extLst>
-              <a:ext uri="{FF2B5EF4-FFF2-40B4-BE49-F238E27FC236}">
-                <a16:creationId xmlns:a16="http://schemas.microsoft.com/office/drawing/2014/main" id="{0FD6A3FE-1BF6-4C1A-0553-EBD497A69F2D}"/>
-              </a:ext>
-            </a:extLst>
-          </p:cNvPr>
-          <p:cNvSpPr>
-            <a:spLocks noGrp="1"/>
-          </p:cNvSpPr>
-          <p:nvPr>
-            <p:ph type="title"/>
-          </p:nvPr>
-        </p:nvSpPr>
-        <p:spPr>
-          <a:xfrm>
-            <a:off x="2932448" y="264160"/>
-            <a:ext cx="6327105" cy="3373973"/>
-          </a:xfrm>
-        </p:spPr>
-        <p:txBody>
-          <a:bodyPr anchor="b"/>
-          <a:lstStyle/>
-          <a:p>
-            <a:r>
-              <a:rPr lang="en-US" dirty="0"/>
-              <a:t>Development path</a:t>
-            </a:r>
-          </a:p>
-        </p:txBody>
-      </p:sp>
-    </p:spTree>
-    <p:extLst>
-      <p:ext uri="{BB962C8B-B14F-4D97-AF65-F5344CB8AC3E}">
-        <p14:creationId xmlns:p14="http://schemas.microsoft.com/office/powerpoint/2010/main" val="2278420707"/>
-      </p:ext>
-    </p:extLst>
-  </p:cSld>
-  <p:clrMapOvr>
-    <a:masterClrMapping/>
-  </p:clrMapOvr>
-</p:sld>
-</file>
-
-<file path=ppt/slides/slide16.xml><?xml version="1.0" encoding="utf-8"?>
-<p:sld xmlns:a="http://schemas.openxmlformats.org/drawingml/2006/main" xmlns:r="http://schemas.openxmlformats.org/officeDocument/2006/relationships" xmlns:p="http://schemas.openxmlformats.org/presentationml/2006/main">
-  <p:cSld>
-    <p:spTree>
-      <p:nvGrpSpPr>
-        <p:cNvPr id="1" name=""/>
-        <p:cNvGrpSpPr/>
-        <p:nvPr/>
-      </p:nvGrpSpPr>
-      <p:grpSpPr>
-        <a:xfrm>
-          <a:off x="0" y="0"/>
-          <a:ext cx="0" cy="0"/>
-          <a:chOff x="0" y="0"/>
-          <a:chExt cx="0" cy="0"/>
-        </a:xfrm>
-      </p:grpSpPr>
-      <p:sp>
-        <p:nvSpPr>
-          <p:cNvPr id="2" name="Title 1">
-            <a:extLst>
-              <a:ext uri="{FF2B5EF4-FFF2-40B4-BE49-F238E27FC236}">
-                <a16:creationId xmlns:a16="http://schemas.microsoft.com/office/drawing/2014/main" id="{11883E06-8BEA-1DD3-D0D6-391C08880EBF}"/>
-              </a:ext>
-            </a:extLst>
-          </p:cNvPr>
-          <p:cNvSpPr>
-            <a:spLocks noGrp="1"/>
-          </p:cNvSpPr>
-          <p:nvPr>
-            <p:ph type="title"/>
-          </p:nvPr>
-        </p:nvSpPr>
-        <p:spPr>
-          <a:xfrm>
-            <a:off x="741680" y="430482"/>
-            <a:ext cx="10500989" cy="1327464"/>
-          </a:xfrm>
-        </p:spPr>
-        <p:txBody>
-          <a:bodyPr/>
-          <a:lstStyle/>
-          <a:p>
-            <a:r>
-              <a:rPr lang="en-US" dirty="0"/>
-              <a:t>Development path</a:t>
-            </a:r>
-          </a:p>
-        </p:txBody>
-      </p:sp>
-      <p:sp>
-        <p:nvSpPr>
-          <p:cNvPr id="5" name="Slide Number Placeholder 4">
-            <a:extLst>
-              <a:ext uri="{FF2B5EF4-FFF2-40B4-BE49-F238E27FC236}">
-                <a16:creationId xmlns:a16="http://schemas.microsoft.com/office/drawing/2014/main" id="{E87B8B6A-2B28-5C38-80E7-0EBE705FFBBF}"/>
-              </a:ext>
-            </a:extLst>
-          </p:cNvPr>
-          <p:cNvSpPr>
-            <a:spLocks noGrp="1"/>
-          </p:cNvSpPr>
-          <p:nvPr>
-            <p:ph type="sldNum" sz="quarter" idx="12"/>
-          </p:nvPr>
-        </p:nvSpPr>
-        <p:spPr>
-          <a:xfrm>
-            <a:off x="9140971" y="6226198"/>
-            <a:ext cx="2743200" cy="365125"/>
-          </a:xfrm>
-        </p:spPr>
-        <p:txBody>
-          <a:bodyPr/>
-          <a:lstStyle/>
-          <a:p>
-            <a:fld id="{FE024F78-56A6-7740-B68D-8D4D026EDF3F}" type="slidenum">
-              <a:rPr lang="en-US" smtClean="0"/>
-              <a:pPr/>
-              <a:t>16</a:t>
             </a:fld>
             <a:endParaRPr lang="en-US" dirty="0"/>
           </a:p>
@@ -13060,7 +12400,7 @@
 </p:sld>
 </file>
 
-<file path=ppt/slides/slide17.xml><?xml version="1.0" encoding="utf-8"?>
+<file path=ppt/slides/slide15.xml><?xml version="1.0" encoding="utf-8"?>
 <p:sld xmlns:a="http://schemas.openxmlformats.org/drawingml/2006/main" xmlns:r="http://schemas.openxmlformats.org/officeDocument/2006/relationships" xmlns:p="http://schemas.openxmlformats.org/presentationml/2006/main">
   <p:cSld>
     <p:spTree>
@@ -13307,12 +12647,6 @@
             <a:r>
               <a:rPr lang="en-US" dirty="0"/>
               <a:t>Models’ information and evaluation</a:t>
-            </a:r>
-          </a:p>
-          <a:p>
-            <a:r>
-              <a:rPr lang="en-US" dirty="0"/>
-              <a:t>Demo</a:t>
             </a:r>
           </a:p>
           <a:p>
